--- a/汇报/9-19/9-19汇报.pptx
+++ b/汇报/9-19/9-19汇报.pptx
@@ -3107,7 +3107,15 @@
         <p:txBody>
           <a:bodyPr/>
           <a:p>
-            <a:endParaRPr lang="zh-CN" altLang="zh-CN"/>
+            <a:r>
+              <a:rPr lang="en-US" altLang="zh-CN"/>
+              <a:t>Audience</a:t>
+            </a:r>
+            <a:r>
+              <a:rPr lang="zh-CN" altLang="en-US"/>
+              <a:t>验证</a:t>
+            </a:r>
+            <a:endParaRPr lang="zh-CN" altLang="en-US"/>
           </a:p>
         </p:txBody>
       </p:sp>

--- a/汇报/9-19/9-19汇报.pptx
+++ b/汇报/9-19/9-19汇报.pptx
@@ -3477,8 +3477,8 @@
         </p:blipFill>
         <p:spPr>
           <a:xfrm>
-            <a:off x="2486025" y="1313815"/>
-            <a:ext cx="7390130" cy="2176780"/>
+            <a:off x="2583180" y="1196975"/>
+            <a:ext cx="6436995" cy="1896110"/>
           </a:xfrm>
           <a:prstGeom prst="rect">
             <a:avLst/>
@@ -3501,8 +3501,32 @@
         </p:blipFill>
         <p:spPr>
           <a:xfrm>
-            <a:off x="2486025" y="3747135"/>
-            <a:ext cx="7376160" cy="1878965"/>
+            <a:off x="2583180" y="4276725"/>
+            <a:ext cx="6425565" cy="1637030"/>
+          </a:xfrm>
+          <a:prstGeom prst="rect">
+            <a:avLst/>
+          </a:prstGeom>
+        </p:spPr>
+      </p:pic>
+      <p:pic>
+        <p:nvPicPr>
+          <p:cNvPr id="3" name="图片 2"/>
+          <p:cNvPicPr>
+            <a:picLocks noChangeAspect="1"/>
+          </p:cNvPicPr>
+          <p:nvPr/>
+        </p:nvPicPr>
+        <p:blipFill>
+          <a:blip r:embed="rId3"/>
+          <a:stretch>
+            <a:fillRect/>
+          </a:stretch>
+        </p:blipFill>
+        <p:spPr>
+          <a:xfrm>
+            <a:off x="2583180" y="3200400"/>
+            <a:ext cx="6437630" cy="969010"/>
           </a:xfrm>
           <a:prstGeom prst="rect">
             <a:avLst/>
@@ -3511,7 +3535,7 @@
       </p:pic>
     </p:spTree>
     <p:custDataLst>
-      <p:tags r:id="rId3"/>
+      <p:tags r:id="rId4"/>
     </p:custDataLst>
   </p:cSld>
   <p:clrMapOvr>
